--- a/Gruppo 3/Powerpoint Project Work .pptx
+++ b/Gruppo 3/Powerpoint Project Work .pptx
@@ -8752,7 +8752,7 @@
                 <a:cs typeface="Montserrat"/>
                 <a:sym typeface="Montserrat"/>
               </a:rPr>
-              <a:t>Apache ( vv 2.4.28 )</a:t>
+              <a:t>Apache ( versione 2.2.21)</a:t>
             </a:r>
           </a:p>
           <a:p>
